--- a/luna_authoring_system/ppt_parser/test/test_assets/Shapes-Connections.pptx
+++ b/luna_authoring_system/ppt_parser/test/test_assets/Shapes-Connections.pptx
@@ -259,7 +259,7 @@
           <a:p>
             <a:fld id="{5D6D0EBF-D941-1E4E-8AD7-77403B50F4CF}" type="datetimeFigureOut">
               <a:rPr lang="en-US" smtClean="0"/>
-              <a:t>4/11/24</a:t>
+              <a:t>4/23/24</a:t>
             </a:fld>
             <a:endParaRPr lang="en-US"/>
           </a:p>
@@ -457,7 +457,7 @@
           <a:p>
             <a:fld id="{5D6D0EBF-D941-1E4E-8AD7-77403B50F4CF}" type="datetimeFigureOut">
               <a:rPr lang="en-US" smtClean="0"/>
-              <a:t>4/11/24</a:t>
+              <a:t>4/23/24</a:t>
             </a:fld>
             <a:endParaRPr lang="en-US"/>
           </a:p>
@@ -665,7 +665,7 @@
           <a:p>
             <a:fld id="{5D6D0EBF-D941-1E4E-8AD7-77403B50F4CF}" type="datetimeFigureOut">
               <a:rPr lang="en-US" smtClean="0"/>
-              <a:t>4/11/24</a:t>
+              <a:t>4/23/24</a:t>
             </a:fld>
             <a:endParaRPr lang="en-US"/>
           </a:p>
@@ -863,7 +863,7 @@
           <a:p>
             <a:fld id="{5D6D0EBF-D941-1E4E-8AD7-77403B50F4CF}" type="datetimeFigureOut">
               <a:rPr lang="en-US" smtClean="0"/>
-              <a:t>4/11/24</a:t>
+              <a:t>4/23/24</a:t>
             </a:fld>
             <a:endParaRPr lang="en-US"/>
           </a:p>
@@ -1138,7 +1138,7 @@
           <a:p>
             <a:fld id="{5D6D0EBF-D941-1E4E-8AD7-77403B50F4CF}" type="datetimeFigureOut">
               <a:rPr lang="en-US" smtClean="0"/>
-              <a:t>4/11/24</a:t>
+              <a:t>4/23/24</a:t>
             </a:fld>
             <a:endParaRPr lang="en-US"/>
           </a:p>
@@ -1403,7 +1403,7 @@
           <a:p>
             <a:fld id="{5D6D0EBF-D941-1E4E-8AD7-77403B50F4CF}" type="datetimeFigureOut">
               <a:rPr lang="en-US" smtClean="0"/>
-              <a:t>4/11/24</a:t>
+              <a:t>4/23/24</a:t>
             </a:fld>
             <a:endParaRPr lang="en-US"/>
           </a:p>
@@ -1815,7 +1815,7 @@
           <a:p>
             <a:fld id="{5D6D0EBF-D941-1E4E-8AD7-77403B50F4CF}" type="datetimeFigureOut">
               <a:rPr lang="en-US" smtClean="0"/>
-              <a:t>4/11/24</a:t>
+              <a:t>4/23/24</a:t>
             </a:fld>
             <a:endParaRPr lang="en-US"/>
           </a:p>
@@ -1956,7 +1956,7 @@
           <a:p>
             <a:fld id="{5D6D0EBF-D941-1E4E-8AD7-77403B50F4CF}" type="datetimeFigureOut">
               <a:rPr lang="en-US" smtClean="0"/>
-              <a:t>4/11/24</a:t>
+              <a:t>4/23/24</a:t>
             </a:fld>
             <a:endParaRPr lang="en-US"/>
           </a:p>
@@ -2069,7 +2069,7 @@
           <a:p>
             <a:fld id="{5D6D0EBF-D941-1E4E-8AD7-77403B50F4CF}" type="datetimeFigureOut">
               <a:rPr lang="en-US" smtClean="0"/>
-              <a:t>4/11/24</a:t>
+              <a:t>4/23/24</a:t>
             </a:fld>
             <a:endParaRPr lang="en-US"/>
           </a:p>
@@ -2380,7 +2380,7 @@
           <a:p>
             <a:fld id="{5D6D0EBF-D941-1E4E-8AD7-77403B50F4CF}" type="datetimeFigureOut">
               <a:rPr lang="en-US" smtClean="0"/>
-              <a:t>4/11/24</a:t>
+              <a:t>4/23/24</a:t>
             </a:fld>
             <a:endParaRPr lang="en-US"/>
           </a:p>
@@ -2668,7 +2668,7 @@
           <a:p>
             <a:fld id="{5D6D0EBF-D941-1E4E-8AD7-77403B50F4CF}" type="datetimeFigureOut">
               <a:rPr lang="en-US" smtClean="0"/>
-              <a:t>4/11/24</a:t>
+              <a:t>4/23/24</a:t>
             </a:fld>
             <a:endParaRPr lang="en-US"/>
           </a:p>
@@ -2909,7 +2909,7 @@
           <a:p>
             <a:fld id="{5D6D0EBF-D941-1E4E-8AD7-77403B50F4CF}" type="datetimeFigureOut">
               <a:rPr lang="en-US" smtClean="0"/>
-              <a:t>4/11/24</a:t>
+              <a:t>4/23/24</a:t>
             </a:fld>
             <a:endParaRPr lang="en-US"/>
           </a:p>
@@ -3369,29 +3369,28 @@
       </p:cxnSp>
       <p:cxnSp>
         <p:nvCxnSpPr>
-          <p:cNvPr id="8" name="Straight Connector 7">
-            <a:extLst>
-              <a:ext uri="{FF2B5EF4-FFF2-40B4-BE49-F238E27FC236}">
-                <a16:creationId xmlns:a16="http://schemas.microsoft.com/office/drawing/2014/main" id="{67CCE4DF-EFC8-7F92-060B-FB0D61636D0F}"/>
-              </a:ext>
-            </a:extLst>
-          </p:cNvPr>
-          <p:cNvCxnSpPr/>
+          <p:cNvPr id="6" name="Straight Connector 5">
+            <a:extLst>
+              <a:ext uri="{FF2B5EF4-FFF2-40B4-BE49-F238E27FC236}">
+                <a16:creationId xmlns:a16="http://schemas.microsoft.com/office/drawing/2014/main" id="{4C99E650-EFDB-E26E-9B31-9756DC89EC84}"/>
+              </a:ext>
+            </a:extLst>
+          </p:cNvPr>
+          <p:cNvCxnSpPr>
+            <a:cxnSpLocks/>
+          </p:cNvCxnSpPr>
           <p:nvPr/>
         </p:nvCxnSpPr>
         <p:spPr>
-          <a:xfrm>
-            <a:off x="2169886" y="3429000"/>
-            <a:ext cx="2090057" cy="1875971"/>
+          <a:xfrm flipV="1">
+            <a:off x="794657" y="2917371"/>
+            <a:ext cx="6433457" cy="1262743"/>
           </a:xfrm>
-          <a:prstGeom prst="line">
-            <a:avLst/>
+          <a:prstGeom prst="bentConnector3">
+            <a:avLst>
+              <a:gd name="adj1" fmla="val 50000"/>
+            </a:avLst>
           </a:prstGeom>
-          <a:ln>
-            <a:solidFill>
-              <a:schemeClr val="accent1"/>
-            </a:solidFill>
-          </a:ln>
         </p:spPr>
         <p:style>
           <a:lnRef idx="1">
@@ -3410,29 +3409,28 @@
       </p:cxnSp>
       <p:cxnSp>
         <p:nvCxnSpPr>
-          <p:cNvPr id="3" name="Straight Connector 2">
-            <a:extLst>
-              <a:ext uri="{FF2B5EF4-FFF2-40B4-BE49-F238E27FC236}">
-                <a16:creationId xmlns:a16="http://schemas.microsoft.com/office/drawing/2014/main" id="{2673DF3C-B5DE-EAD6-AEDD-B6E778FB89B3}"/>
-              </a:ext>
-            </a:extLst>
-          </p:cNvPr>
-          <p:cNvCxnSpPr/>
+          <p:cNvPr id="11" name="Straight Connector 10">
+            <a:extLst>
+              <a:ext uri="{FF2B5EF4-FFF2-40B4-BE49-F238E27FC236}">
+                <a16:creationId xmlns:a16="http://schemas.microsoft.com/office/drawing/2014/main" id="{84826488-1224-2E7A-D636-3275AD0264D6}"/>
+              </a:ext>
+            </a:extLst>
+          </p:cNvPr>
+          <p:cNvCxnSpPr>
+            <a:cxnSpLocks/>
+          </p:cNvCxnSpPr>
           <p:nvPr/>
         </p:nvCxnSpPr>
         <p:spPr>
           <a:xfrm flipV="1">
-            <a:off x="2391508" y="5444197"/>
-            <a:ext cx="4417255" cy="668215"/>
+            <a:off x="1981200" y="4495800"/>
+            <a:ext cx="5323114" cy="957943"/>
           </a:xfrm>
-          <a:prstGeom prst="line">
-            <a:avLst/>
+          <a:prstGeom prst="curvedConnector3">
+            <a:avLst>
+              <a:gd name="adj1" fmla="val 50000"/>
+            </a:avLst>
           </a:prstGeom>
-          <a:ln w="3175">
-            <a:solidFill>
-              <a:schemeClr val="accent1"/>
-            </a:solidFill>
-          </a:ln>
         </p:spPr>
         <p:style>
           <a:lnRef idx="1">
